--- a/웹프로그래밍_텀 프로젝트_김연진.pptx
+++ b/웹프로그래밍_텀 프로젝트_김연진.pptx
@@ -231,7 +231,7 @@
           <a:p>
             <a:fld id="{C451D25C-7964-42B5-8352-E545E71E6227}" type="datetimeFigureOut">
               <a:rPr lang="ko-KR" altLang="en-US" smtClean="0"/>
-              <a:t>2021-06-01</a:t>
+              <a:t>2021-06-08</a:t>
             </a:fld>
             <a:endParaRPr lang="ko-KR" altLang="en-US"/>
           </a:p>
@@ -408,7 +408,7 @@
           <a:p>
             <a:fld id="{0D8F18C1-A3A4-490D-A9EC-D6352965747F}" type="datetimeFigureOut">
               <a:rPr lang="ko-KR" altLang="en-US" smtClean="0"/>
-              <a:t>2021-06-01</a:t>
+              <a:t>2021-06-08</a:t>
             </a:fld>
             <a:endParaRPr lang="ko-KR" altLang="en-US"/>
           </a:p>
